--- a/Parlament 360.pptx
+++ b/Parlament 360.pptx
@@ -107,6 +107,11 @@
       </a:defRPr>
     </a:lvl9pPr>
   </p:defaultTextStyle>
+  <p:extLst>
+    <p:ext uri="{EFAFB233-063F-42B5-8137-9DF3F51BA10A}">
+      <p15:sldGuideLst xmlns:p15="http://schemas.microsoft.com/office/powerpoint/2012/main"/>
+    </p:ext>
+  </p:extLst>
 </p:presentation>
 </file>
 
@@ -3731,6 +3736,24 @@
               <a:t>Logisches Design der Diagramme</a:t>
             </a:r>
           </a:p>
+          <a:p>
+            <a:endParaRPr lang="de-AT" dirty="0"/>
+          </a:p>
+          <a:p>
+            <a:endParaRPr lang="de-AT" dirty="0"/>
+          </a:p>
+          <a:p>
+            <a:pPr marL="0" indent="0">
+              <a:buNone/>
+            </a:pPr>
+            <a:r>
+              <a:rPr lang="de-AT" dirty="0">
+                <a:hlinkClick r:id="rId2" action="ppaction://hlinkfile"/>
+              </a:rPr>
+              <a:t>Parlament 360</a:t>
+            </a:r>
+            <a:endParaRPr lang="de-AT" dirty="0"/>
+          </a:p>
         </p:txBody>
       </p:sp>
     </p:spTree>
@@ -3743,6 +3766,85 @@
   <p:clrMapOvr>
     <a:masterClrMapping/>
   </p:clrMapOvr>
+  <p:timing>
+    <p:tnLst>
+      <p:par>
+        <p:cTn id="1" dur="indefinite" restart="never" nodeType="tmRoot">
+          <p:childTnLst>
+            <p:seq concurrent="1" nextAc="seek">
+              <p:cTn id="2" dur="indefinite" nodeType="mainSeq">
+                <p:childTnLst>
+                  <p:par>
+                    <p:cTn id="3" fill="hold">
+                      <p:stCondLst>
+                        <p:cond delay="indefinite"/>
+                      </p:stCondLst>
+                      <p:childTnLst>
+                        <p:par>
+                          <p:cTn id="4" fill="hold">
+                            <p:stCondLst>
+                              <p:cond delay="0"/>
+                            </p:stCondLst>
+                            <p:childTnLst>
+                              <p:par>
+                                <p:cTn id="5" presetID="1" presetClass="entr" presetSubtype="0" fill="hold" nodeType="clickEffect">
+                                  <p:stCondLst>
+                                    <p:cond delay="0"/>
+                                  </p:stCondLst>
+                                  <p:childTnLst>
+                                    <p:set>
+                                      <p:cBhvr>
+                                        <p:cTn id="6" dur="1" fill="hold">
+                                          <p:stCondLst>
+                                            <p:cond delay="0"/>
+                                          </p:stCondLst>
+                                        </p:cTn>
+                                        <p:tgtEl>
+                                          <p:spTgt spid="3">
+                                            <p:txEl>
+                                              <p:pRg st="4" end="4"/>
+                                            </p:txEl>
+                                          </p:spTgt>
+                                        </p:tgtEl>
+                                        <p:attrNameLst>
+                                          <p:attrName>style.visibility</p:attrName>
+                                        </p:attrNameLst>
+                                      </p:cBhvr>
+                                      <p:to>
+                                        <p:strVal val="visible"/>
+                                      </p:to>
+                                    </p:set>
+                                  </p:childTnLst>
+                                </p:cTn>
+                              </p:par>
+                            </p:childTnLst>
+                          </p:cTn>
+                        </p:par>
+                      </p:childTnLst>
+                    </p:cTn>
+                  </p:par>
+                </p:childTnLst>
+              </p:cTn>
+              <p:prevCondLst>
+                <p:cond evt="onPrev" delay="0">
+                  <p:tgtEl>
+                    <p:sldTgt/>
+                  </p:tgtEl>
+                </p:cond>
+              </p:prevCondLst>
+              <p:nextCondLst>
+                <p:cond evt="onNext" delay="0">
+                  <p:tgtEl>
+                    <p:sldTgt/>
+                  </p:tgtEl>
+                </p:cond>
+              </p:nextCondLst>
+            </p:seq>
+          </p:childTnLst>
+        </p:cTn>
+      </p:par>
+    </p:tnLst>
+  </p:timing>
 </p:sld>
 </file>
 

--- a/Parlament 360.pptx
+++ b/Parlament 360.pptx
@@ -264,7 +264,7 @@
           <a:p>
             <a:fld id="{18D2181E-5DB8-4B11-A613-298A0C9C3D64}" type="datetimeFigureOut">
               <a:rPr lang="de-AT" smtClean="0"/>
-              <a:t>26.10.2019</a:t>
+              <a:t>27.10.2019</a:t>
             </a:fld>
             <a:endParaRPr lang="de-AT"/>
           </a:p>
@@ -464,7 +464,7 @@
           <a:p>
             <a:fld id="{18D2181E-5DB8-4B11-A613-298A0C9C3D64}" type="datetimeFigureOut">
               <a:rPr lang="de-AT" smtClean="0"/>
-              <a:t>26.10.2019</a:t>
+              <a:t>27.10.2019</a:t>
             </a:fld>
             <a:endParaRPr lang="de-AT"/>
           </a:p>
@@ -674,7 +674,7 @@
           <a:p>
             <a:fld id="{18D2181E-5DB8-4B11-A613-298A0C9C3D64}" type="datetimeFigureOut">
               <a:rPr lang="de-AT" smtClean="0"/>
-              <a:t>26.10.2019</a:t>
+              <a:t>27.10.2019</a:t>
             </a:fld>
             <a:endParaRPr lang="de-AT"/>
           </a:p>
@@ -874,7 +874,7 @@
           <a:p>
             <a:fld id="{18D2181E-5DB8-4B11-A613-298A0C9C3D64}" type="datetimeFigureOut">
               <a:rPr lang="de-AT" smtClean="0"/>
-              <a:t>26.10.2019</a:t>
+              <a:t>27.10.2019</a:t>
             </a:fld>
             <a:endParaRPr lang="de-AT"/>
           </a:p>
@@ -1150,7 +1150,7 @@
           <a:p>
             <a:fld id="{18D2181E-5DB8-4B11-A613-298A0C9C3D64}" type="datetimeFigureOut">
               <a:rPr lang="de-AT" smtClean="0"/>
-              <a:t>26.10.2019</a:t>
+              <a:t>27.10.2019</a:t>
             </a:fld>
             <a:endParaRPr lang="de-AT"/>
           </a:p>
@@ -1418,7 +1418,7 @@
           <a:p>
             <a:fld id="{18D2181E-5DB8-4B11-A613-298A0C9C3D64}" type="datetimeFigureOut">
               <a:rPr lang="de-AT" smtClean="0"/>
-              <a:t>26.10.2019</a:t>
+              <a:t>27.10.2019</a:t>
             </a:fld>
             <a:endParaRPr lang="de-AT"/>
           </a:p>
@@ -1833,7 +1833,7 @@
           <a:p>
             <a:fld id="{18D2181E-5DB8-4B11-A613-298A0C9C3D64}" type="datetimeFigureOut">
               <a:rPr lang="de-AT" smtClean="0"/>
-              <a:t>26.10.2019</a:t>
+              <a:t>27.10.2019</a:t>
             </a:fld>
             <a:endParaRPr lang="de-AT"/>
           </a:p>
@@ -1975,7 +1975,7 @@
           <a:p>
             <a:fld id="{18D2181E-5DB8-4B11-A613-298A0C9C3D64}" type="datetimeFigureOut">
               <a:rPr lang="de-AT" smtClean="0"/>
-              <a:t>26.10.2019</a:t>
+              <a:t>27.10.2019</a:t>
             </a:fld>
             <a:endParaRPr lang="de-AT"/>
           </a:p>
@@ -2088,7 +2088,7 @@
           <a:p>
             <a:fld id="{18D2181E-5DB8-4B11-A613-298A0C9C3D64}" type="datetimeFigureOut">
               <a:rPr lang="de-AT" smtClean="0"/>
-              <a:t>26.10.2019</a:t>
+              <a:t>27.10.2019</a:t>
             </a:fld>
             <a:endParaRPr lang="de-AT"/>
           </a:p>
@@ -2401,7 +2401,7 @@
           <a:p>
             <a:fld id="{18D2181E-5DB8-4B11-A613-298A0C9C3D64}" type="datetimeFigureOut">
               <a:rPr lang="de-AT" smtClean="0"/>
-              <a:t>26.10.2019</a:t>
+              <a:t>27.10.2019</a:t>
             </a:fld>
             <a:endParaRPr lang="de-AT"/>
           </a:p>
@@ -2690,7 +2690,7 @@
           <a:p>
             <a:fld id="{18D2181E-5DB8-4B11-A613-298A0C9C3D64}" type="datetimeFigureOut">
               <a:rPr lang="de-AT" smtClean="0"/>
-              <a:t>26.10.2019</a:t>
+              <a:t>27.10.2019</a:t>
             </a:fld>
             <a:endParaRPr lang="de-AT"/>
           </a:p>
@@ -2933,7 +2933,7 @@
           <a:p>
             <a:fld id="{18D2181E-5DB8-4B11-A613-298A0C9C3D64}" type="datetimeFigureOut">
               <a:rPr lang="de-AT" smtClean="0"/>
-              <a:t>26.10.2019</a:t>
+              <a:t>27.10.2019</a:t>
             </a:fld>
             <a:endParaRPr lang="de-AT"/>
           </a:p>
@@ -3733,24 +3733,11 @@
           <a:p>
             <a:r>
               <a:rPr lang="de-AT" dirty="0"/>
-              <a:t>Logisches Design der Diagramme</a:t>
-            </a:r>
-          </a:p>
-          <a:p>
-            <a:endParaRPr lang="de-AT" dirty="0"/>
-          </a:p>
-          <a:p>
-            <a:endParaRPr lang="de-AT" dirty="0"/>
-          </a:p>
-          <a:p>
-            <a:pPr marL="0" indent="0">
-              <a:buNone/>
-            </a:pPr>
-            <a:r>
-              <a:rPr lang="de-AT" dirty="0">
-                <a:hlinkClick r:id="rId2" action="ppaction://hlinkfile"/>
-              </a:rPr>
-              <a:t>Parlament 360</a:t>
+              <a:t>Logisch durchstrukturiertes Design </a:t>
+            </a:r>
+            <a:r>
+              <a:rPr lang="de-AT"/>
+              <a:t>der Diagramme</a:t>
             </a:r>
             <a:endParaRPr lang="de-AT" dirty="0"/>
           </a:p>
@@ -3766,85 +3753,6 @@
   <p:clrMapOvr>
     <a:masterClrMapping/>
   </p:clrMapOvr>
-  <p:timing>
-    <p:tnLst>
-      <p:par>
-        <p:cTn id="1" dur="indefinite" restart="never" nodeType="tmRoot">
-          <p:childTnLst>
-            <p:seq concurrent="1" nextAc="seek">
-              <p:cTn id="2" dur="indefinite" nodeType="mainSeq">
-                <p:childTnLst>
-                  <p:par>
-                    <p:cTn id="3" fill="hold">
-                      <p:stCondLst>
-                        <p:cond delay="indefinite"/>
-                      </p:stCondLst>
-                      <p:childTnLst>
-                        <p:par>
-                          <p:cTn id="4" fill="hold">
-                            <p:stCondLst>
-                              <p:cond delay="0"/>
-                            </p:stCondLst>
-                            <p:childTnLst>
-                              <p:par>
-                                <p:cTn id="5" presetID="1" presetClass="entr" presetSubtype="0" fill="hold" nodeType="clickEffect">
-                                  <p:stCondLst>
-                                    <p:cond delay="0"/>
-                                  </p:stCondLst>
-                                  <p:childTnLst>
-                                    <p:set>
-                                      <p:cBhvr>
-                                        <p:cTn id="6" dur="1" fill="hold">
-                                          <p:stCondLst>
-                                            <p:cond delay="0"/>
-                                          </p:stCondLst>
-                                        </p:cTn>
-                                        <p:tgtEl>
-                                          <p:spTgt spid="3">
-                                            <p:txEl>
-                                              <p:pRg st="4" end="4"/>
-                                            </p:txEl>
-                                          </p:spTgt>
-                                        </p:tgtEl>
-                                        <p:attrNameLst>
-                                          <p:attrName>style.visibility</p:attrName>
-                                        </p:attrNameLst>
-                                      </p:cBhvr>
-                                      <p:to>
-                                        <p:strVal val="visible"/>
-                                      </p:to>
-                                    </p:set>
-                                  </p:childTnLst>
-                                </p:cTn>
-                              </p:par>
-                            </p:childTnLst>
-                          </p:cTn>
-                        </p:par>
-                      </p:childTnLst>
-                    </p:cTn>
-                  </p:par>
-                </p:childTnLst>
-              </p:cTn>
-              <p:prevCondLst>
-                <p:cond evt="onPrev" delay="0">
-                  <p:tgtEl>
-                    <p:sldTgt/>
-                  </p:tgtEl>
-                </p:cond>
-              </p:prevCondLst>
-              <p:nextCondLst>
-                <p:cond evt="onNext" delay="0">
-                  <p:tgtEl>
-                    <p:sldTgt/>
-                  </p:tgtEl>
-                </p:cond>
-              </p:nextCondLst>
-            </p:seq>
-          </p:childTnLst>
-        </p:cTn>
-      </p:par>
-    </p:tnLst>
-  </p:timing>
 </p:sld>
 </file>
 
